--- a/Year_2/ТСиСА/CRM.pptx
+++ b/Year_2/ТСиСА/CRM.pptx
@@ -108,6 +108,11 @@
       </a:defRPr>
     </a:lvl9pPr>
   </p:defaultTextStyle>
+  <p:extLst>
+    <p:ext uri="{EFAFB233-063F-42B5-8137-9DF3F51BA10A}">
+      <p15:sldGuideLst xmlns:p15="http://schemas.microsoft.com/office/powerpoint/2012/main"/>
+    </p:ext>
+  </p:extLst>
 </p:presentation>
 </file>
 
@@ -834,7 +839,7 @@
             <a:fld id="{B61BEF0D-F0BB-DE4B-95CE-6DB70DBA9567}" type="datetimeFigureOut">
               <a:rPr lang="en-US" smtClean="0"/>
               <a:pPr/>
-              <a:t>11/21/2019</a:t>
+              <a:t>11/22/2019</a:t>
             </a:fld>
             <a:endParaRPr lang="en-US" dirty="0"/>
           </a:p>
@@ -1087,7 +1092,7 @@
             <a:fld id="{B61BEF0D-F0BB-DE4B-95CE-6DB70DBA9567}" type="datetimeFigureOut">
               <a:rPr lang="en-US" smtClean="0"/>
               <a:pPr/>
-              <a:t>11/21/2019</a:t>
+              <a:t>11/22/2019</a:t>
             </a:fld>
             <a:endParaRPr lang="en-US" dirty="0"/>
           </a:p>
@@ -1403,7 +1408,7 @@
             <a:fld id="{B61BEF0D-F0BB-DE4B-95CE-6DB70DBA9567}" type="datetimeFigureOut">
               <a:rPr lang="en-US" smtClean="0"/>
               <a:pPr/>
-              <a:t>11/21/2019</a:t>
+              <a:t>11/22/2019</a:t>
             </a:fld>
             <a:endParaRPr lang="en-US" dirty="0"/>
           </a:p>
@@ -1746,7 +1751,7 @@
             <a:fld id="{B61BEF0D-F0BB-DE4B-95CE-6DB70DBA9567}" type="datetimeFigureOut">
               <a:rPr lang="en-US" smtClean="0"/>
               <a:pPr/>
-              <a:t>11/21/2019</a:t>
+              <a:t>11/22/2019</a:t>
             </a:fld>
             <a:endParaRPr lang="en-US" dirty="0"/>
           </a:p>
@@ -2062,7 +2067,7 @@
             <a:fld id="{B61BEF0D-F0BB-DE4B-95CE-6DB70DBA9567}" type="datetimeFigureOut">
               <a:rPr lang="en-US" smtClean="0"/>
               <a:pPr/>
-              <a:t>11/21/2019</a:t>
+              <a:t>11/22/2019</a:t>
             </a:fld>
             <a:endParaRPr lang="en-US" dirty="0"/>
           </a:p>
@@ -2457,7 +2462,7 @@
             <a:fld id="{B61BEF0D-F0BB-DE4B-95CE-6DB70DBA9567}" type="datetimeFigureOut">
               <a:rPr lang="en-US" smtClean="0"/>
               <a:pPr/>
-              <a:t>11/21/2019</a:t>
+              <a:t>11/22/2019</a:t>
             </a:fld>
             <a:endParaRPr lang="en-US" dirty="0"/>
           </a:p>
@@ -2628,7 +2633,7 @@
           <a:p>
             <a:fld id="{55C6B4A9-1611-4792-9094-5F34BCA07E0B}" type="datetimeFigureOut">
               <a:rPr lang="en-US" smtClean="0"/>
-              <a:t>11/21/2019</a:t>
+              <a:t>11/22/2019</a:t>
             </a:fld>
             <a:endParaRPr lang="en-US" dirty="0"/>
           </a:p>
@@ -2809,7 +2814,7 @@
             <a:fld id="{B61BEF0D-F0BB-DE4B-95CE-6DB70DBA9567}" type="datetimeFigureOut">
               <a:rPr lang="en-US" smtClean="0"/>
               <a:pPr/>
-              <a:t>11/21/2019</a:t>
+              <a:t>11/22/2019</a:t>
             </a:fld>
             <a:endParaRPr lang="en-US" dirty="0"/>
           </a:p>
@@ -2987,7 +2992,7 @@
             <a:fld id="{B61BEF0D-F0BB-DE4B-95CE-6DB70DBA9567}" type="datetimeFigureOut">
               <a:rPr lang="en-US" smtClean="0"/>
               <a:pPr/>
-              <a:t>11/21/2019</a:t>
+              <a:t>11/22/2019</a:t>
             </a:fld>
             <a:endParaRPr lang="en-US" dirty="0"/>
           </a:p>
@@ -3236,7 +3241,7 @@
             <a:fld id="{B61BEF0D-F0BB-DE4B-95CE-6DB70DBA9567}" type="datetimeFigureOut">
               <a:rPr lang="en-US" smtClean="0"/>
               <a:pPr/>
-              <a:t>11/21/2019</a:t>
+              <a:t>11/22/2019</a:t>
             </a:fld>
             <a:endParaRPr lang="en-US" dirty="0"/>
           </a:p>
@@ -3469,7 +3474,7 @@
           <a:p>
             <a:fld id="{EB712588-04B1-427B-82EE-E8DB90309F08}" type="datetimeFigureOut">
               <a:rPr lang="en-US" smtClean="0"/>
-              <a:t>11/21/2019</a:t>
+              <a:t>11/22/2019</a:t>
             </a:fld>
             <a:endParaRPr lang="en-US" dirty="0"/>
           </a:p>
@@ -3844,7 +3849,7 @@
             <a:fld id="{B61BEF0D-F0BB-DE4B-95CE-6DB70DBA9567}" type="datetimeFigureOut">
               <a:rPr lang="en-US" smtClean="0"/>
               <a:pPr/>
-              <a:t>11/21/2019</a:t>
+              <a:t>11/22/2019</a:t>
             </a:fld>
             <a:endParaRPr lang="en-US" dirty="0"/>
           </a:p>
@@ -3969,7 +3974,7 @@
             <a:fld id="{B61BEF0D-F0BB-DE4B-95CE-6DB70DBA9567}" type="datetimeFigureOut">
               <a:rPr lang="en-US" smtClean="0"/>
               <a:pPr/>
-              <a:t>11/21/2019</a:t>
+              <a:t>11/22/2019</a:t>
             </a:fld>
             <a:endParaRPr lang="en-US" dirty="0"/>
           </a:p>
@@ -4066,7 +4071,7 @@
             <a:fld id="{B61BEF0D-F0BB-DE4B-95CE-6DB70DBA9567}" type="datetimeFigureOut">
               <a:rPr lang="en-US" smtClean="0"/>
               <a:pPr/>
-              <a:t>11/21/2019</a:t>
+              <a:t>11/22/2019</a:t>
             </a:fld>
             <a:endParaRPr lang="en-US" dirty="0"/>
           </a:p>
@@ -4322,7 +4327,7 @@
           <a:p>
             <a:fld id="{42A54C80-263E-416B-A8E0-580EDEADCBDC}" type="datetimeFigureOut">
               <a:rPr lang="en-US" smtClean="0"/>
-              <a:t>11/21/2019</a:t>
+              <a:t>11/22/2019</a:t>
             </a:fld>
             <a:endParaRPr lang="en-US" dirty="0"/>
           </a:p>
@@ -4586,7 +4591,7 @@
             <a:fld id="{B61BEF0D-F0BB-DE4B-95CE-6DB70DBA9567}" type="datetimeFigureOut">
               <a:rPr lang="en-US" smtClean="0"/>
               <a:pPr/>
-              <a:t>11/21/2019</a:t>
+              <a:t>11/22/2019</a:t>
             </a:fld>
             <a:endParaRPr lang="en-US" dirty="0"/>
           </a:p>
@@ -5331,7 +5336,7 @@
             <a:fld id="{B61BEF0D-F0BB-DE4B-95CE-6DB70DBA9567}" type="datetimeFigureOut">
               <a:rPr lang="en-US" smtClean="0"/>
               <a:pPr/>
-              <a:t>11/21/2019</a:t>
+              <a:t>11/22/2019</a:t>
             </a:fld>
             <a:endParaRPr lang="en-US" dirty="0"/>
           </a:p>
@@ -6010,8 +6015,8 @@
         </p:nvSpPr>
         <p:spPr>
           <a:xfrm>
-            <a:off x="677334" y="2160589"/>
-            <a:ext cx="4406394" cy="3880773"/>
+            <a:off x="677334" y="1311965"/>
+            <a:ext cx="4406394" cy="5221357"/>
           </a:xfrm>
         </p:spPr>
         <p:txBody>
@@ -6026,7 +6031,7 @@
             <a:r>
               <a:rPr lang="ru-RU" sz="2400" dirty="0">
                 <a:solidFill>
-                  <a:srgbClr val="00B050"/>
+                  <a:schemeClr val="accent2"/>
                 </a:solidFill>
               </a:rPr>
               <a:t>+ Интеграция с 1С</a:t>
@@ -6039,10 +6044,70 @@
             <a:r>
               <a:rPr lang="ru-RU" sz="2400" dirty="0">
                 <a:solidFill>
-                  <a:srgbClr val="00B050"/>
+                  <a:schemeClr val="accent2"/>
                 </a:solidFill>
               </a:rPr>
               <a:t>+Модульность</a:t>
+            </a:r>
+            <a:endParaRPr lang="en-US" sz="2400" dirty="0">
+              <a:solidFill>
+                <a:schemeClr val="accent2"/>
+              </a:solidFill>
+            </a:endParaRPr>
+          </a:p>
+          <a:p>
+            <a:pPr marL="0" indent="0">
+              <a:buNone/>
+            </a:pPr>
+            <a:r>
+              <a:rPr lang="ru-RU" sz="2400" dirty="0">
+                <a:solidFill>
+                  <a:schemeClr val="accent2"/>
+                </a:solidFill>
+              </a:rPr>
+              <a:t>+ Управление заказами</a:t>
+            </a:r>
+          </a:p>
+          <a:p>
+            <a:pPr marL="0" indent="0">
+              <a:buNone/>
+            </a:pPr>
+            <a:r>
+              <a:rPr lang="en-US" sz="2400" dirty="0">
+                <a:solidFill>
+                  <a:schemeClr val="accent2"/>
+                </a:solidFill>
+              </a:rPr>
+              <a:t>+ </a:t>
+            </a:r>
+            <a:r>
+              <a:rPr lang="ru-RU" sz="2400" dirty="0">
+                <a:solidFill>
+                  <a:schemeClr val="accent2"/>
+                </a:solidFill>
+              </a:rPr>
+              <a:t>База клиентов</a:t>
+            </a:r>
+          </a:p>
+          <a:p>
+            <a:pPr marL="0" indent="0">
+              <a:buNone/>
+            </a:pPr>
+            <a:r>
+              <a:rPr lang="en-US" sz="2400" dirty="0">
+                <a:solidFill>
+                  <a:schemeClr val="accent2"/>
+                </a:solidFill>
+              </a:rPr>
+              <a:t>+ </a:t>
+            </a:r>
+            <a:r>
+              <a:rPr lang="ru-RU" sz="2400" dirty="0">
+                <a:solidFill>
+                  <a:schemeClr val="accent2"/>
+                </a:solidFill>
+              </a:rPr>
+              <a:t>Есть система рассылок</a:t>
             </a:r>
             <a:br>
               <a:rPr lang="ru-RU" sz="2400" dirty="0"/>
@@ -6086,6 +6151,29 @@
               </a:rPr>
               <a:t>- Проблемы с поддержкой</a:t>
             </a:r>
+          </a:p>
+          <a:p>
+            <a:pPr marL="0" indent="0">
+              <a:buNone/>
+            </a:pPr>
+            <a:r>
+              <a:rPr lang="ru-RU" sz="2400" dirty="0">
+                <a:solidFill>
+                  <a:schemeClr val="accent5"/>
+                </a:solidFill>
+              </a:rPr>
+              <a:t>- Нет истории клиента</a:t>
+            </a:r>
+          </a:p>
+          <a:p>
+            <a:pPr marL="0" indent="0">
+              <a:buNone/>
+            </a:pPr>
+            <a:endParaRPr lang="ru-RU" sz="2400" dirty="0">
+              <a:solidFill>
+                <a:schemeClr val="accent5"/>
+              </a:solidFill>
+            </a:endParaRPr>
           </a:p>
         </p:txBody>
       </p:sp>
@@ -6260,23 +6348,23 @@
         </p:nvSpPr>
         <p:spPr>
           <a:xfrm>
-            <a:off x="677334" y="2160589"/>
-            <a:ext cx="3810776" cy="3880773"/>
+            <a:off x="410817" y="1484243"/>
+            <a:ext cx="4752521" cy="5247861"/>
           </a:xfrm>
         </p:spPr>
         <p:txBody>
-          <a:bodyPr/>
+          <a:bodyPr>
+            <a:normAutofit/>
+          </a:bodyPr>
           <a:lstStyle/>
           <a:p>
             <a:pPr marL="0" indent="0">
               <a:buNone/>
             </a:pPr>
             <a:r>
-              <a:rPr lang="ru-RU" dirty="0">
-                <a:solidFill>
-                  <a:schemeClr val="accent2">
-                    <a:lumMod val="75000"/>
-                  </a:schemeClr>
+              <a:rPr lang="ru-RU" sz="2400" dirty="0">
+                <a:solidFill>
+                  <a:schemeClr val="accent2"/>
                 </a:solidFill>
               </a:rPr>
               <a:t>+ Доступная цена</a:t>
@@ -6287,30 +6375,24 @@
               <a:buNone/>
             </a:pPr>
             <a:r>
-              <a:rPr lang="ru-RU" dirty="0">
-                <a:solidFill>
-                  <a:schemeClr val="accent2">
-                    <a:lumMod val="75000"/>
-                  </a:schemeClr>
+              <a:rPr lang="ru-RU" sz="2400" dirty="0">
+                <a:solidFill>
+                  <a:schemeClr val="accent2"/>
                 </a:solidFill>
               </a:rPr>
               <a:t>+ </a:t>
             </a:r>
             <a:r>
-              <a:rPr lang="ru-RU" dirty="0" err="1">
-                <a:solidFill>
-                  <a:schemeClr val="accent2">
-                    <a:lumMod val="75000"/>
-                  </a:schemeClr>
+              <a:rPr lang="ru-RU" sz="2400" dirty="0" err="1">
+                <a:solidFill>
+                  <a:schemeClr val="accent2"/>
                 </a:solidFill>
               </a:rPr>
               <a:t>Мультиплатформенность</a:t>
             </a:r>
-            <a:endParaRPr lang="ru-RU" dirty="0">
+            <a:endParaRPr lang="ru-RU" sz="2400" dirty="0">
               <a:solidFill>
-                <a:schemeClr val="accent2">
-                  <a:lumMod val="75000"/>
-                </a:schemeClr>
+                <a:schemeClr val="accent2"/>
               </a:solidFill>
             </a:endParaRPr>
           </a:p>
@@ -6319,23 +6401,55 @@
               <a:buNone/>
             </a:pPr>
             <a:r>
-              <a:rPr lang="ru-RU" dirty="0">
-                <a:solidFill>
-                  <a:schemeClr val="accent2">
-                    <a:lumMod val="75000"/>
-                  </a:schemeClr>
+              <a:rPr lang="ru-RU" sz="2400" dirty="0">
+                <a:solidFill>
+                  <a:schemeClr val="accent2"/>
                 </a:solidFill>
               </a:rPr>
               <a:t>+ Удобный интерфейс</a:t>
             </a:r>
+          </a:p>
+          <a:p>
+            <a:pPr marL="0" indent="0">
+              <a:buNone/>
+            </a:pPr>
+            <a:r>
+              <a:rPr lang="en-US" sz="2400" dirty="0">
+                <a:solidFill>
+                  <a:schemeClr val="accent2"/>
+                </a:solidFill>
+              </a:rPr>
+              <a:t>+</a:t>
+            </a:r>
+            <a:r>
+              <a:rPr lang="ru-RU" sz="2400" dirty="0">
+                <a:solidFill>
+                  <a:schemeClr val="accent2"/>
+                </a:solidFill>
+              </a:rPr>
+              <a:t> Системы лояльности</a:t>
+            </a:r>
+          </a:p>
+          <a:p>
+            <a:pPr marL="0" indent="0">
+              <a:buNone/>
+            </a:pPr>
+            <a:r>
+              <a:rPr lang="ru-RU" sz="2400" dirty="0">
+                <a:solidFill>
+                  <a:schemeClr val="accent2"/>
+                </a:solidFill>
+              </a:rPr>
+              <a:t>+ Продуктовый каталог</a:t>
+            </a:r>
             <a:br>
-              <a:rPr lang="ru-RU" dirty="0"/>
+              <a:rPr lang="ru-RU" sz="2400" dirty="0"/>
             </a:br>
             <a:br>
-              <a:rPr lang="ru-RU" dirty="0"/>
+              <a:rPr lang="ru-RU" sz="2400" dirty="0"/>
             </a:br>
             <a:r>
-              <a:rPr lang="ru-RU" dirty="0">
+              <a:rPr lang="ru-RU" sz="2400" dirty="0">
                 <a:solidFill>
                   <a:schemeClr val="accent5"/>
                 </a:solidFill>
@@ -6343,14 +6457,14 @@
               <a:t>- Не так много функций</a:t>
             </a:r>
             <a:br>
-              <a:rPr lang="ru-RU" dirty="0">
+              <a:rPr lang="ru-RU" sz="2400" dirty="0">
                 <a:solidFill>
                   <a:schemeClr val="accent5"/>
                 </a:solidFill>
               </a:rPr>
             </a:br>
             <a:r>
-              <a:rPr lang="ru-RU" dirty="0">
+              <a:rPr lang="ru-RU" sz="2400" dirty="0">
                 <a:solidFill>
                   <a:schemeClr val="accent5"/>
                 </a:solidFill>
@@ -6363,7 +6477,7 @@
               <a:buNone/>
             </a:pPr>
             <a:r>
-              <a:rPr lang="ru-RU" dirty="0">
+              <a:rPr lang="ru-RU" sz="2400" dirty="0">
                 <a:solidFill>
                   <a:schemeClr val="accent5"/>
                 </a:solidFill>
@@ -6375,7 +6489,44 @@
             <a:pPr marL="0" indent="0">
               <a:buNone/>
             </a:pPr>
-            <a:endParaRPr lang="ru-RU" dirty="0"/>
+            <a:r>
+              <a:rPr lang="ru-RU" sz="2400" dirty="0">
+                <a:solidFill>
+                  <a:schemeClr val="accent5"/>
+                </a:solidFill>
+              </a:rPr>
+              <a:t>- Нет систем рассылок</a:t>
+            </a:r>
+          </a:p>
+          <a:p>
+            <a:pPr marL="0" indent="0">
+              <a:buNone/>
+            </a:pPr>
+            <a:r>
+              <a:rPr lang="ru-RU" sz="2400" dirty="0">
+                <a:solidFill>
+                  <a:schemeClr val="accent5"/>
+                </a:solidFill>
+              </a:rPr>
+              <a:t>- Нет базы клиентов</a:t>
+            </a:r>
+          </a:p>
+          <a:p>
+            <a:pPr>
+              <a:buFontTx/>
+              <a:buChar char="-"/>
+            </a:pPr>
+            <a:endParaRPr lang="ru-RU" sz="2400" dirty="0">
+              <a:solidFill>
+                <a:schemeClr val="accent5"/>
+              </a:solidFill>
+            </a:endParaRPr>
+          </a:p>
+          <a:p>
+            <a:pPr marL="0" indent="0">
+              <a:buNone/>
+            </a:pPr>
+            <a:endParaRPr lang="ru-RU" sz="2400" dirty="0"/>
           </a:p>
         </p:txBody>
       </p:sp>
@@ -6597,19 +6748,21 @@
         </p:nvSpPr>
         <p:spPr>
           <a:xfrm>
-            <a:off x="677334" y="2160589"/>
-            <a:ext cx="4330894" cy="3880773"/>
+            <a:off x="397565" y="2160589"/>
+            <a:ext cx="4976106" cy="4668042"/>
           </a:xfrm>
         </p:spPr>
         <p:txBody>
-          <a:bodyPr/>
+          <a:bodyPr>
+            <a:normAutofit/>
+          </a:bodyPr>
           <a:lstStyle/>
           <a:p>
             <a:pPr marL="0" indent="0">
               <a:buNone/>
             </a:pPr>
             <a:r>
-              <a:rPr lang="ru-RU" dirty="0">
+              <a:rPr lang="ru-RU" sz="2400" dirty="0">
                 <a:solidFill>
                   <a:schemeClr val="accent2">
                     <a:lumMod val="75000"/>
@@ -6624,7 +6777,7 @@
               <a:buNone/>
             </a:pPr>
             <a:r>
-              <a:rPr lang="ru-RU" dirty="0">
+              <a:rPr lang="ru-RU" sz="2400" dirty="0">
                 <a:solidFill>
                   <a:schemeClr val="accent2">
                     <a:lumMod val="75000"/>
@@ -6639,7 +6792,7 @@
               <a:buNone/>
             </a:pPr>
             <a:r>
-              <a:rPr lang="ru-RU" dirty="0">
+              <a:rPr lang="ru-RU" sz="2400" dirty="0">
                 <a:solidFill>
                   <a:schemeClr val="accent2">
                     <a:lumMod val="75000"/>
@@ -6648,14 +6801,31 @@
               </a:rPr>
               <a:t>+ Удобный интерфейс</a:t>
             </a:r>
+          </a:p>
+          <a:p>
+            <a:pPr marL="0" indent="0">
+              <a:buNone/>
+            </a:pPr>
+            <a:r>
+              <a:rPr lang="ru-RU" sz="2400" dirty="0">
+                <a:solidFill>
+                  <a:schemeClr val="accent2">
+                    <a:lumMod val="75000"/>
+                  </a:schemeClr>
+                </a:solidFill>
+              </a:rPr>
+              <a:t>+Есть тайм-менеджмент</a:t>
+            </a:r>
+          </a:p>
+          <a:p>
+            <a:pPr marL="0" indent="0">
+              <a:buNone/>
+            </a:pPr>
             <a:br>
-              <a:rPr lang="ru-RU" dirty="0"/>
+              <a:rPr lang="ru-RU" sz="2400" dirty="0"/>
             </a:br>
-            <a:br>
-              <a:rPr lang="ru-RU" dirty="0"/>
-            </a:br>
-            <a:r>
-              <a:rPr lang="ru-RU" dirty="0">
+            <a:r>
+              <a:rPr lang="ru-RU" sz="2400" dirty="0">
                 <a:solidFill>
                   <a:schemeClr val="accent5"/>
                 </a:solidFill>
@@ -6663,27 +6833,54 @@
               <a:t>- Нет интеграции с 1С</a:t>
             </a:r>
             <a:br>
-              <a:rPr lang="ru-RU" dirty="0">
+              <a:rPr lang="ru-RU" sz="2400" dirty="0">
                 <a:solidFill>
                   <a:schemeClr val="accent5"/>
                 </a:solidFill>
               </a:rPr>
             </a:br>
             <a:r>
-              <a:rPr lang="ru-RU" dirty="0">
+              <a:rPr lang="ru-RU" sz="2400" dirty="0">
                 <a:solidFill>
                   <a:schemeClr val="accent5"/>
                 </a:solidFill>
               </a:rPr>
               <a:t>- Сложная настройка</a:t>
             </a:r>
-            <a:endParaRPr lang="ru-RU" dirty="0"/>
           </a:p>
           <a:p>
             <a:pPr marL="0" indent="0">
               <a:buNone/>
             </a:pPr>
-            <a:endParaRPr lang="ru-RU" dirty="0"/>
+            <a:r>
+              <a:rPr lang="en-US" sz="2400" dirty="0">
+                <a:solidFill>
+                  <a:schemeClr val="accent5"/>
+                </a:solidFill>
+              </a:rPr>
+              <a:t>- </a:t>
+            </a:r>
+            <a:r>
+              <a:rPr lang="ru-RU" sz="2400" dirty="0">
+                <a:solidFill>
+                  <a:schemeClr val="accent5"/>
+                </a:solidFill>
+              </a:rPr>
+              <a:t>Нет систем рассылки</a:t>
+            </a:r>
+          </a:p>
+          <a:p>
+            <a:pPr marL="0" indent="0">
+              <a:buNone/>
+            </a:pPr>
+            <a:r>
+              <a:rPr lang="ru-RU" sz="2400" dirty="0">
+                <a:solidFill>
+                  <a:schemeClr val="accent5"/>
+                </a:solidFill>
+              </a:rPr>
+              <a:t>- Нет базы клиентов</a:t>
+            </a:r>
           </a:p>
         </p:txBody>
       </p:sp>
@@ -6816,14 +7013,16 @@
           </a:xfrm>
         </p:spPr>
         <p:txBody>
-          <a:bodyPr/>
+          <a:bodyPr>
+            <a:normAutofit/>
+          </a:bodyPr>
           <a:lstStyle/>
           <a:p>
             <a:pPr marL="0" indent="0">
               <a:buNone/>
             </a:pPr>
             <a:r>
-              <a:rPr lang="ru-RU" dirty="0">
+              <a:rPr lang="ru-RU" sz="2400" dirty="0">
                 <a:solidFill>
                   <a:schemeClr val="accent2">
                     <a:lumMod val="75000"/>
@@ -6838,7 +7037,7 @@
               <a:buNone/>
             </a:pPr>
             <a:r>
-              <a:rPr lang="ru-RU" dirty="0">
+              <a:rPr lang="ru-RU" sz="2400" dirty="0">
                 <a:solidFill>
                   <a:schemeClr val="accent2">
                     <a:lumMod val="75000"/>
@@ -6848,7 +7047,7 @@
               <a:t>+ </a:t>
             </a:r>
             <a:r>
-              <a:rPr lang="ru-RU" dirty="0" err="1">
+              <a:rPr lang="ru-RU" sz="2400" dirty="0" err="1">
                 <a:solidFill>
                   <a:schemeClr val="accent2">
                     <a:lumMod val="75000"/>
@@ -6857,7 +7056,7 @@
               </a:rPr>
               <a:t>Мультиплатформенность</a:t>
             </a:r>
-            <a:endParaRPr lang="ru-RU" dirty="0">
+            <a:endParaRPr lang="ru-RU" sz="2400" dirty="0">
               <a:solidFill>
                 <a:schemeClr val="accent2">
                   <a:lumMod val="75000"/>
@@ -6870,7 +7069,7 @@
               <a:buNone/>
             </a:pPr>
             <a:r>
-              <a:rPr lang="ru-RU" dirty="0">
+              <a:rPr lang="ru-RU" sz="2400" dirty="0">
                 <a:solidFill>
                   <a:schemeClr val="accent2">
                     <a:lumMod val="75000"/>
@@ -6879,24 +7078,66 @@
               </a:rPr>
               <a:t>+ Удобный интерфейс</a:t>
             </a:r>
+          </a:p>
+          <a:p>
+            <a:pPr marL="0" indent="0">
+              <a:buNone/>
+            </a:pPr>
+            <a:r>
+              <a:rPr lang="ru-RU" sz="2400" dirty="0">
+                <a:solidFill>
+                  <a:schemeClr val="accent2">
+                    <a:lumMod val="75000"/>
+                  </a:schemeClr>
+                </a:solidFill>
+              </a:rPr>
+              <a:t>+ Есть база клиентов</a:t>
+            </a:r>
             <a:br>
-              <a:rPr lang="ru-RU" dirty="0"/>
+              <a:rPr lang="ru-RU" sz="2400" dirty="0"/>
             </a:br>
             <a:br>
-              <a:rPr lang="ru-RU" dirty="0"/>
+              <a:rPr lang="ru-RU" sz="2400" dirty="0"/>
             </a:br>
             <a:r>
-              <a:rPr lang="ru-RU" dirty="0">
+              <a:rPr lang="ru-RU" sz="2400" dirty="0">
                 <a:solidFill>
                   <a:schemeClr val="accent5"/>
                 </a:solidFill>
               </a:rPr>
               <a:t>- Не ведет подсчет издержек</a:t>
             </a:r>
-            <a:endParaRPr lang="ru-RU" dirty="0"/>
-          </a:p>
-          <a:p>
-            <a:endParaRPr lang="ru-RU" dirty="0"/>
+          </a:p>
+          <a:p>
+            <a:pPr marL="0" indent="0">
+              <a:buNone/>
+            </a:pPr>
+            <a:r>
+              <a:rPr lang="en-US" sz="2400" dirty="0">
+                <a:solidFill>
+                  <a:schemeClr val="accent5"/>
+                </a:solidFill>
+              </a:rPr>
+              <a:t>- </a:t>
+            </a:r>
+            <a:r>
+              <a:rPr lang="ru-RU" sz="2400" dirty="0">
+                <a:solidFill>
+                  <a:schemeClr val="accent5"/>
+                </a:solidFill>
+              </a:rPr>
+              <a:t>Нет систем рассылки</a:t>
+            </a:r>
+            <a:endParaRPr lang="ru-RU" sz="2400" dirty="0"/>
+          </a:p>
+          <a:p>
+            <a:pPr marL="0" indent="0">
+              <a:buNone/>
+            </a:pPr>
+            <a:endParaRPr lang="ru-RU" sz="2400" dirty="0"/>
+          </a:p>
+          <a:p>
+            <a:endParaRPr lang="ru-RU" sz="2400" dirty="0"/>
           </a:p>
         </p:txBody>
       </p:sp>
